--- a/Regression Analysis - Bike Sharing/Regression Modelling.pptx
+++ b/Regression Analysis - Bike Sharing/Regression Modelling.pptx
@@ -115,6 +115,11 @@
       </a:defRPr>
     </a:lvl9pPr>
   </p:defaultTextStyle>
+  <p:extLst>
+    <p:ext uri="{EFAFB233-063F-42B5-8137-9DF3F51BA10A}">
+      <p15:sldGuideLst xmlns:p15="http://schemas.microsoft.com/office/powerpoint/2012/main"/>
+    </p:ext>
+  </p:extLst>
 </p:presentation>
 </file>
 
@@ -200,7 +205,7 @@
           <a:p>
             <a:fld id="{4069F38D-5CE0-44AD-824C-60F74050BA96}" type="datetimeFigureOut">
               <a:rPr lang="en-GB" smtClean="0"/>
-              <a:t>03/10/2020</a:t>
+              <a:t>05/10/2020</a:t>
             </a:fld>
             <a:endParaRPr lang="en-GB"/>
           </a:p>
@@ -1177,7 +1182,7 @@
           <a:p>
             <a:fld id="{D4A213A3-10E9-421F-81BE-56E0786AB515}" type="datetime2">
               <a:rPr lang="en-US" smtClean="0"/>
-              <a:t>Saturday, October 3, 2020</a:t>
+              <a:t>Monday, October 5, 2020</a:t>
             </a:fld>
             <a:endParaRPr lang="en-US"/>
           </a:p>
@@ -1375,7 +1380,7 @@
           <a:p>
             <a:fld id="{3D5DABC0-2199-478F-BA77-33A651B6CB89}" type="datetime2">
               <a:rPr lang="en-US" smtClean="0"/>
-              <a:t>Saturday, October 3, 2020</a:t>
+              <a:t>Monday, October 5, 2020</a:t>
             </a:fld>
             <a:endParaRPr lang="en-US"/>
           </a:p>
@@ -1584,7 +1589,7 @@
           <a:p>
             <a:fld id="{D72230C6-DF61-47F4-B8C5-1B70E884BF06}" type="datetime2">
               <a:rPr lang="en-US" smtClean="0"/>
-              <a:t>Saturday, October 3, 2020</a:t>
+              <a:t>Monday, October 5, 2020</a:t>
             </a:fld>
             <a:endParaRPr lang="en-US"/>
           </a:p>
@@ -1794,7 +1799,7 @@
           <a:p>
             <a:fld id="{6B12B50C-7EEE-46CD-BAF7-BBC4026D959A}" type="datetime2">
               <a:rPr lang="en-US" smtClean="0"/>
-              <a:t>Saturday, October 3, 2020</a:t>
+              <a:t>Monday, October 5, 2020</a:t>
             </a:fld>
             <a:endParaRPr lang="en-US"/>
           </a:p>
@@ -2074,7 +2079,7 @@
           <a:p>
             <a:fld id="{8D4211C4-AE09-4254-A5E3-6DA9B099C971}" type="datetime2">
               <a:rPr lang="en-US" smtClean="0"/>
-              <a:t>Saturday, October 3, 2020</a:t>
+              <a:t>Monday, October 5, 2020</a:t>
             </a:fld>
             <a:endParaRPr lang="en-US"/>
           </a:p>
@@ -2353,7 +2358,7 @@
           <a:p>
             <a:fld id="{681742C3-E082-4760-93B2-E209268DD00C}" type="datetime2">
               <a:rPr lang="en-US" smtClean="0"/>
-              <a:t>Saturday, October 3, 2020</a:t>
+              <a:t>Monday, October 5, 2020</a:t>
             </a:fld>
             <a:endParaRPr lang="en-US"/>
           </a:p>
@@ -2774,7 +2779,7 @@
           <a:p>
             <a:fld id="{3B6FC950-F824-48B9-B984-CAEE265865E5}" type="datetime2">
               <a:rPr lang="en-US" smtClean="0"/>
-              <a:t>Saturday, October 3, 2020</a:t>
+              <a:t>Monday, October 5, 2020</a:t>
             </a:fld>
             <a:endParaRPr lang="en-US"/>
           </a:p>
@@ -2927,7 +2932,7 @@
           <a:p>
             <a:fld id="{BC8E3A0F-68E7-4D17-BB84-ED1BA4F6AC6B}" type="datetime2">
               <a:rPr lang="en-US" smtClean="0"/>
-              <a:t>Saturday, October 3, 2020</a:t>
+              <a:t>Monday, October 5, 2020</a:t>
             </a:fld>
             <a:endParaRPr lang="en-US"/>
           </a:p>
@@ -3040,7 +3045,7 @@
           <a:p>
             <a:fld id="{EDB7BC4F-EDA1-4BA2-BFF3-FE5B31CCB58B}" type="datetime2">
               <a:rPr lang="en-US" smtClean="0"/>
-              <a:t>Saturday, October 3, 2020</a:t>
+              <a:t>Monday, October 5, 2020</a:t>
             </a:fld>
             <a:endParaRPr lang="en-US"/>
           </a:p>
@@ -3354,7 +3359,7 @@
           <a:p>
             <a:fld id="{3AAE694C-1394-4838-A564-7380835C2E77}" type="datetime2">
               <a:rPr lang="en-US" smtClean="0"/>
-              <a:t>Saturday, October 3, 2020</a:t>
+              <a:t>Monday, October 5, 2020</a:t>
             </a:fld>
             <a:endParaRPr lang="en-US"/>
           </a:p>
@@ -3647,7 +3652,7 @@
           <a:p>
             <a:fld id="{CAB84B19-1A00-4EDB-8425-E1827A377364}" type="datetime2">
               <a:rPr lang="en-US" smtClean="0"/>
-              <a:t>Saturday, October 3, 2020</a:t>
+              <a:t>Monday, October 5, 2020</a:t>
             </a:fld>
             <a:endParaRPr lang="en-US"/>
           </a:p>
@@ -4016,7 +4021,7 @@
           <a:p>
             <a:fld id="{10076A27-8146-4F75-9851-A83577C6FD8A}" type="datetime2">
               <a:rPr lang="en-US" smtClean="0"/>
-              <a:t>Saturday, October 3, 2020</a:t>
+              <a:t>Monday, October 5, 2020</a:t>
             </a:fld>
             <a:endParaRPr lang="en-US"/>
           </a:p>
@@ -6039,8 +6044,8 @@
         </p:nvSpPr>
         <p:spPr bwMode="auto">
           <a:xfrm>
-            <a:off x="218114" y="214605"/>
-            <a:ext cx="10880521" cy="4960200"/>
+            <a:off x="218114" y="71021"/>
+            <a:ext cx="11669086" cy="5103784"/>
           </a:xfrm>
           <a:prstGeom prst="rect">
             <a:avLst/>
@@ -6092,7 +6097,7 @@
               <a:buAutoNum type="arabicPeriod"/>
               <a:tabLst/>
             </a:pPr>
-            <a:endParaRPr kumimoji="0" lang="en-US" altLang="en-US" sz="1200" b="1" i="0" u="none" strike="noStrike" cap="none" normalizeH="0" baseline="0" dirty="0">
+            <a:endParaRPr kumimoji="0" lang="en-US" altLang="en-US" sz="1300" b="1" i="0" u="none" strike="noStrike" cap="none" normalizeH="0" baseline="0" dirty="0">
               <a:ln>
                 <a:noFill/>
               </a:ln>
@@ -6116,7 +6121,7 @@
               <a:tabLst/>
             </a:pPr>
             <a:r>
-              <a:rPr kumimoji="0" lang="en-US" altLang="en-US" sz="1200" b="1" i="0" u="none" strike="noStrike" cap="none" normalizeH="0" baseline="0" dirty="0">
+              <a:rPr kumimoji="0" lang="en-US" altLang="en-US" sz="1300" b="1" i="0" u="none" strike="noStrike" cap="none" normalizeH="0" baseline="0" dirty="0">
                 <a:ln>
                   <a:noFill/>
                 </a:ln>
@@ -6124,7 +6129,7 @@
               <a:t>instant</a:t>
             </a:r>
             <a:r>
-              <a:rPr kumimoji="0" lang="en-US" altLang="en-US" sz="1200" b="0" i="0" u="none" strike="noStrike" cap="none" normalizeH="0" baseline="0" dirty="0">
+              <a:rPr kumimoji="0" lang="en-US" altLang="en-US" sz="1300" b="0" i="0" u="none" strike="noStrike" cap="none" normalizeH="0" baseline="0" dirty="0">
                 <a:ln>
                   <a:noFill/>
                 </a:ln>
@@ -6151,7 +6156,7 @@
               <a:tabLst/>
             </a:pPr>
             <a:r>
-              <a:rPr kumimoji="0" lang="en-US" altLang="en-US" sz="1200" b="1" i="0" u="none" strike="noStrike" cap="none" normalizeH="0" baseline="0" dirty="0" err="1">
+              <a:rPr kumimoji="0" lang="en-US" altLang="en-US" sz="1300" b="1" i="0" u="none" strike="noStrike" cap="none" normalizeH="0" baseline="0" dirty="0" err="1">
                 <a:ln>
                   <a:noFill/>
                 </a:ln>
@@ -6159,7 +6164,7 @@
               <a:t>dteday</a:t>
             </a:r>
             <a:r>
-              <a:rPr kumimoji="0" lang="en-US" altLang="en-US" sz="1200" b="0" i="0" u="none" strike="noStrike" cap="none" normalizeH="0" baseline="0" dirty="0">
+              <a:rPr kumimoji="0" lang="en-US" altLang="en-US" sz="1300" b="0" i="0" u="none" strike="noStrike" cap="none" normalizeH="0" baseline="0" dirty="0">
                 <a:ln>
                   <a:noFill/>
                 </a:ln>
@@ -6186,7 +6191,7 @@
               <a:tabLst/>
             </a:pPr>
             <a:r>
-              <a:rPr kumimoji="0" lang="en-US" altLang="en-US" sz="1200" b="1" i="0" u="none" strike="noStrike" cap="none" normalizeH="0" baseline="0" dirty="0">
+              <a:rPr kumimoji="0" lang="en-US" altLang="en-US" sz="1300" b="1" i="0" u="none" strike="noStrike" cap="none" normalizeH="0" baseline="0" dirty="0">
                 <a:ln>
                   <a:noFill/>
                 </a:ln>
@@ -6194,7 +6199,7 @@
               <a:t>season</a:t>
             </a:r>
             <a:r>
-              <a:rPr kumimoji="0" lang="en-US" altLang="en-US" sz="1200" b="0" i="0" u="none" strike="noStrike" cap="none" normalizeH="0" baseline="0" dirty="0">
+              <a:rPr kumimoji="0" lang="en-US" altLang="en-US" sz="1300" b="0" i="0" u="none" strike="noStrike" cap="none" normalizeH="0" baseline="0" dirty="0">
                 <a:ln>
                   <a:noFill/>
                 </a:ln>
@@ -6221,7 +6226,7 @@
               <a:tabLst/>
             </a:pPr>
             <a:r>
-              <a:rPr kumimoji="0" lang="en-US" altLang="en-US" sz="1200" b="1" i="0" u="none" strike="noStrike" cap="none" normalizeH="0" baseline="0" dirty="0" err="1">
+              <a:rPr kumimoji="0" lang="en-US" altLang="en-US" sz="1300" b="1" i="0" u="none" strike="noStrike" cap="none" normalizeH="0" baseline="0" dirty="0" err="1">
                 <a:ln>
                   <a:noFill/>
                 </a:ln>
@@ -6229,7 +6234,7 @@
               <a:t>yr</a:t>
             </a:r>
             <a:r>
-              <a:rPr kumimoji="0" lang="en-US" altLang="en-US" sz="1200" b="0" i="0" u="none" strike="noStrike" cap="none" normalizeH="0" baseline="0" dirty="0">
+              <a:rPr kumimoji="0" lang="en-US" altLang="en-US" sz="1300" b="0" i="0" u="none" strike="noStrike" cap="none" normalizeH="0" baseline="0" dirty="0">
                 <a:ln>
                   <a:noFill/>
                 </a:ln>
@@ -6256,7 +6261,7 @@
               <a:tabLst/>
             </a:pPr>
             <a:r>
-              <a:rPr kumimoji="0" lang="en-US" altLang="en-US" sz="1200" b="1" i="0" u="none" strike="noStrike" cap="none" normalizeH="0" baseline="0" dirty="0" err="1">
+              <a:rPr kumimoji="0" lang="en-US" altLang="en-US" sz="1300" b="1" i="0" u="none" strike="noStrike" cap="none" normalizeH="0" baseline="0" dirty="0" err="1">
                 <a:ln>
                   <a:noFill/>
                 </a:ln>
@@ -6264,7 +6269,7 @@
               <a:t>mnth</a:t>
             </a:r>
             <a:r>
-              <a:rPr kumimoji="0" lang="en-US" altLang="en-US" sz="1200" b="0" i="0" u="none" strike="noStrike" cap="none" normalizeH="0" baseline="0" dirty="0">
+              <a:rPr kumimoji="0" lang="en-US" altLang="en-US" sz="1300" b="0" i="0" u="none" strike="noStrike" cap="none" normalizeH="0" baseline="0" dirty="0">
                 <a:ln>
                   <a:noFill/>
                 </a:ln>
@@ -6291,7 +6296,7 @@
               <a:tabLst/>
             </a:pPr>
             <a:r>
-              <a:rPr kumimoji="0" lang="en-US" altLang="en-US" sz="1200" b="1" i="0" u="none" strike="noStrike" cap="none" normalizeH="0" baseline="0" dirty="0" err="1">
+              <a:rPr kumimoji="0" lang="en-US" altLang="en-US" sz="1300" b="1" i="0" u="none" strike="noStrike" cap="none" normalizeH="0" baseline="0" dirty="0" err="1">
                 <a:ln>
                   <a:noFill/>
                 </a:ln>
@@ -6299,7 +6304,7 @@
               <a:t>hr</a:t>
             </a:r>
             <a:r>
-              <a:rPr kumimoji="0" lang="en-US" altLang="en-US" sz="1200" b="0" i="0" u="none" strike="noStrike" cap="none" normalizeH="0" baseline="0" dirty="0">
+              <a:rPr kumimoji="0" lang="en-US" altLang="en-US" sz="1300" b="0" i="0" u="none" strike="noStrike" cap="none" normalizeH="0" baseline="0" dirty="0">
                 <a:ln>
                   <a:noFill/>
                 </a:ln>
@@ -6326,7 +6331,7 @@
               <a:tabLst/>
             </a:pPr>
             <a:r>
-              <a:rPr kumimoji="0" lang="en-US" altLang="en-US" sz="1200" b="1" i="0" u="none" strike="noStrike" cap="none" normalizeH="0" baseline="0" dirty="0">
+              <a:rPr kumimoji="0" lang="en-US" altLang="en-US" sz="1300" b="1" i="0" u="none" strike="noStrike" cap="none" normalizeH="0" baseline="0" dirty="0">
                 <a:ln>
                   <a:noFill/>
                 </a:ln>
@@ -6334,7 +6339,7 @@
               <a:t>holiday</a:t>
             </a:r>
             <a:r>
-              <a:rPr kumimoji="0" lang="en-US" altLang="en-US" sz="1200" b="0" i="0" u="none" strike="noStrike" cap="none" normalizeH="0" baseline="0" dirty="0">
+              <a:rPr kumimoji="0" lang="en-US" altLang="en-US" sz="1300" b="0" i="0" u="none" strike="noStrike" cap="none" normalizeH="0" baseline="0" dirty="0">
                 <a:ln>
                   <a:noFill/>
                 </a:ln>
@@ -6343,7 +6348,7 @@
               <a:t> : weather day is holiday or not (extracted from </a:t>
             </a:r>
             <a:r>
-              <a:rPr kumimoji="0" lang="en-US" altLang="en-US" sz="1200" b="0" i="0" u="none" strike="noStrike" cap="none" normalizeH="0" baseline="0" dirty="0">
+              <a:rPr kumimoji="0" lang="en-US" altLang="en-US" sz="1300" b="0" i="0" u="none" strike="noStrike" cap="none" normalizeH="0" baseline="0" dirty="0">
                 <a:ln>
                   <a:noFill/>
                 </a:ln>
@@ -6353,7 +6358,7 @@
               <a:t>http://dchr.dc.gov/page/holiday-schedule</a:t>
             </a:r>
             <a:r>
-              <a:rPr kumimoji="0" lang="en-US" altLang="en-US" sz="1200" b="0" i="0" u="none" strike="noStrike" cap="none" normalizeH="0" baseline="0" dirty="0">
+              <a:rPr kumimoji="0" lang="en-US" altLang="en-US" sz="1300" b="0" i="0" u="none" strike="noStrike" cap="none" normalizeH="0" baseline="0" dirty="0">
                 <a:ln>
                   <a:noFill/>
                 </a:ln>
@@ -6380,7 +6385,7 @@
               <a:tabLst/>
             </a:pPr>
             <a:r>
-              <a:rPr kumimoji="0" lang="en-US" altLang="en-US" sz="1200" b="1" i="0" u="none" strike="noStrike" cap="none" normalizeH="0" baseline="0" dirty="0">
+              <a:rPr kumimoji="0" lang="en-US" altLang="en-US" sz="1300" b="1" i="0" u="none" strike="noStrike" cap="none" normalizeH="0" baseline="0" dirty="0">
                 <a:ln>
                   <a:noFill/>
                 </a:ln>
@@ -6388,7 +6393,7 @@
               <a:t>weekday</a:t>
             </a:r>
             <a:r>
-              <a:rPr kumimoji="0" lang="en-US" altLang="en-US" sz="1200" b="0" i="0" u="none" strike="noStrike" cap="none" normalizeH="0" baseline="0" dirty="0">
+              <a:rPr kumimoji="0" lang="en-US" altLang="en-US" sz="1300" b="0" i="0" u="none" strike="noStrike" cap="none" normalizeH="0" baseline="0" dirty="0">
                 <a:ln>
                   <a:noFill/>
                 </a:ln>
@@ -6415,7 +6420,7 @@
               <a:tabLst/>
             </a:pPr>
             <a:r>
-              <a:rPr kumimoji="0" lang="en-US" altLang="en-US" sz="1200" b="1" i="0" u="none" strike="noStrike" cap="none" normalizeH="0" baseline="0" dirty="0" err="1">
+              <a:rPr kumimoji="0" lang="en-US" altLang="en-US" sz="1300" b="1" i="0" u="none" strike="noStrike" cap="none" normalizeH="0" baseline="0" dirty="0" err="1">
                 <a:ln>
                   <a:noFill/>
                 </a:ln>
@@ -6423,7 +6428,7 @@
               <a:t>workingday</a:t>
             </a:r>
             <a:r>
-              <a:rPr kumimoji="0" lang="en-US" altLang="en-US" sz="1200" b="0" i="0" u="none" strike="noStrike" cap="none" normalizeH="0" baseline="0" dirty="0">
+              <a:rPr kumimoji="0" lang="en-US" altLang="en-US" sz="1300" b="0" i="0" u="none" strike="noStrike" cap="none" normalizeH="0" baseline="0" dirty="0">
                 <a:ln>
                   <a:noFill/>
                 </a:ln>
@@ -6450,7 +6455,7 @@
               <a:tabLst/>
             </a:pPr>
             <a:r>
-              <a:rPr kumimoji="0" lang="en-US" altLang="en-US" sz="1200" b="1" i="0" u="none" strike="noStrike" cap="none" normalizeH="0" baseline="0" dirty="0" err="1">
+              <a:rPr kumimoji="0" lang="en-US" altLang="en-US" sz="1300" b="1" i="0" u="none" strike="noStrike" cap="none" normalizeH="0" baseline="0" dirty="0" err="1">
                 <a:ln>
                   <a:noFill/>
                 </a:ln>
@@ -6458,7 +6463,7 @@
               <a:t>weathersit</a:t>
             </a:r>
             <a:r>
-              <a:rPr kumimoji="0" lang="en-US" altLang="en-US" sz="1200" b="0" i="0" u="none" strike="noStrike" cap="none" normalizeH="0" baseline="0" dirty="0">
+              <a:rPr kumimoji="0" lang="en-US" altLang="en-US" sz="1300" b="0" i="0" u="none" strike="noStrike" cap="none" normalizeH="0" baseline="0" dirty="0">
                 <a:ln>
                   <a:noFill/>
                 </a:ln>
@@ -6482,7 +6487,7 @@
               <a:buAutoNum type="arabicPeriod"/>
             </a:pPr>
             <a:r>
-              <a:rPr kumimoji="0" lang="en-US" altLang="en-US" sz="1200" b="0" i="0" u="none" strike="noStrike" cap="none" normalizeH="0" baseline="0" dirty="0">
+              <a:rPr kumimoji="0" lang="en-US" altLang="en-US" sz="1300" b="0" i="0" u="none" strike="noStrike" cap="none" normalizeH="0" baseline="0" dirty="0">
                 <a:ln>
                   <a:noFill/>
                 </a:ln>
@@ -6506,7 +6511,7 @@
               <a:buAutoNum type="arabicPeriod"/>
             </a:pPr>
             <a:r>
-              <a:rPr kumimoji="0" lang="en-US" altLang="en-US" sz="1200" b="0" i="0" u="none" strike="noStrike" cap="none" normalizeH="0" baseline="0" dirty="0">
+              <a:rPr kumimoji="0" lang="en-US" altLang="en-US" sz="1300" b="0" i="0" u="none" strike="noStrike" cap="none" normalizeH="0" baseline="0" dirty="0">
                 <a:ln>
                   <a:noFill/>
                 </a:ln>
@@ -6530,7 +6535,7 @@
               <a:buAutoNum type="arabicPeriod"/>
             </a:pPr>
             <a:r>
-              <a:rPr kumimoji="0" lang="en-US" altLang="en-US" sz="1200" b="0" i="0" u="none" strike="noStrike" cap="none" normalizeH="0" baseline="0" dirty="0">
+              <a:rPr kumimoji="0" lang="en-US" altLang="en-US" sz="1300" b="0" i="0" u="none" strike="noStrike" cap="none" normalizeH="0" baseline="0" dirty="0">
                 <a:ln>
                   <a:noFill/>
                 </a:ln>
@@ -6554,7 +6559,7 @@
               <a:buAutoNum type="arabicPeriod"/>
             </a:pPr>
             <a:r>
-              <a:rPr kumimoji="0" lang="en-US" altLang="en-US" sz="1200" b="0" i="0" u="none" strike="noStrike" cap="none" normalizeH="0" baseline="0" dirty="0">
+              <a:rPr kumimoji="0" lang="en-US" altLang="en-US" sz="1300" b="0" i="0" u="none" strike="noStrike" cap="none" normalizeH="0" baseline="0" dirty="0">
                 <a:ln>
                   <a:noFill/>
                 </a:ln>
@@ -6577,7 +6582,7 @@
               <a:buFont typeface="+mj-lt"/>
               <a:buAutoNum type="arabicPeriod"/>
             </a:pPr>
-            <a:endParaRPr kumimoji="0" lang="en-US" altLang="en-US" sz="1200" b="0" i="0" u="none" strike="noStrike" cap="none" normalizeH="0" baseline="0" dirty="0">
+            <a:endParaRPr kumimoji="0" lang="en-US" altLang="en-US" sz="1300" b="0" i="0" u="none" strike="noStrike" cap="none" normalizeH="0" baseline="0" dirty="0">
               <a:ln>
                 <a:noFill/>
               </a:ln>
@@ -6599,7 +6604,7 @@
               <a:buAutoNum type="arabicPeriod"/>
             </a:pPr>
             <a:r>
-              <a:rPr kumimoji="0" lang="en-US" altLang="en-US" sz="1200" b="1" i="0" u="none" strike="noStrike" cap="none" normalizeH="0" baseline="0" dirty="0">
+              <a:rPr kumimoji="0" lang="en-US" altLang="en-US" sz="1300" b="1" i="0" u="none" strike="noStrike" cap="none" normalizeH="0" baseline="0" dirty="0">
                 <a:ln>
                   <a:noFill/>
                 </a:ln>
@@ -6607,7 +6612,7 @@
               <a:t>temp</a:t>
             </a:r>
             <a:r>
-              <a:rPr kumimoji="0" lang="en-US" altLang="en-US" sz="1200" b="0" i="0" u="none" strike="noStrike" cap="none" normalizeH="0" baseline="0" dirty="0">
+              <a:rPr kumimoji="0" lang="en-US" altLang="en-US" sz="1300" b="0" i="0" u="none" strike="noStrike" cap="none" normalizeH="0" baseline="0" dirty="0">
                 <a:ln>
                   <a:noFill/>
                 </a:ln>
@@ -6631,7 +6636,7 @@
               <a:buAutoNum type="arabicPeriod"/>
             </a:pPr>
             <a:r>
-              <a:rPr kumimoji="0" lang="en-US" altLang="en-US" sz="1200" b="1" i="0" u="none" strike="noStrike" cap="none" normalizeH="0" baseline="0" dirty="0" err="1">
+              <a:rPr kumimoji="0" lang="en-US" altLang="en-US" sz="1300" b="1" i="0" u="none" strike="noStrike" cap="none" normalizeH="0" baseline="0" dirty="0" err="1">
                 <a:ln>
                   <a:noFill/>
                 </a:ln>
@@ -6639,7 +6644,7 @@
               <a:t>atemp</a:t>
             </a:r>
             <a:r>
-              <a:rPr kumimoji="0" lang="en-US" altLang="en-US" sz="1200" b="0" i="0" u="none" strike="noStrike" cap="none" normalizeH="0" baseline="0" dirty="0">
+              <a:rPr kumimoji="0" lang="en-US" altLang="en-US" sz="1300" b="0" i="0" u="none" strike="noStrike" cap="none" normalizeH="0" baseline="0" dirty="0">
                 <a:ln>
                   <a:noFill/>
                 </a:ln>
@@ -6663,7 +6668,7 @@
               <a:buAutoNum type="arabicPeriod"/>
             </a:pPr>
             <a:r>
-              <a:rPr kumimoji="0" lang="en-US" altLang="en-US" sz="1200" b="1" i="0" u="none" strike="noStrike" cap="none" normalizeH="0" baseline="0" dirty="0">
+              <a:rPr kumimoji="0" lang="en-US" altLang="en-US" sz="1300" b="1" i="0" u="none" strike="noStrike" cap="none" normalizeH="0" baseline="0" dirty="0">
                 <a:ln>
                   <a:noFill/>
                 </a:ln>
@@ -6671,7 +6676,7 @@
               <a:t>hum</a:t>
             </a:r>
             <a:r>
-              <a:rPr kumimoji="0" lang="en-US" altLang="en-US" sz="1200" b="0" i="0" u="none" strike="noStrike" cap="none" normalizeH="0" baseline="0" dirty="0">
+              <a:rPr kumimoji="0" lang="en-US" altLang="en-US" sz="1300" b="0" i="0" u="none" strike="noStrike" cap="none" normalizeH="0" baseline="0" dirty="0">
                 <a:ln>
                   <a:noFill/>
                 </a:ln>
@@ -6695,7 +6700,7 @@
               <a:buAutoNum type="arabicPeriod"/>
             </a:pPr>
             <a:r>
-              <a:rPr kumimoji="0" lang="en-US" altLang="en-US" sz="1200" b="1" i="0" u="none" strike="noStrike" cap="none" normalizeH="0" baseline="0" dirty="0">
+              <a:rPr kumimoji="0" lang="en-US" altLang="en-US" sz="1300" b="1" i="0" u="none" strike="noStrike" cap="none" normalizeH="0" baseline="0" dirty="0">
                 <a:ln>
                   <a:noFill/>
                 </a:ln>
@@ -6703,7 +6708,7 @@
               <a:t>windspeed</a:t>
             </a:r>
             <a:r>
-              <a:rPr kumimoji="0" lang="en-US" altLang="en-US" sz="1200" b="0" i="0" u="none" strike="noStrike" cap="none" normalizeH="0" baseline="0" dirty="0">
+              <a:rPr kumimoji="0" lang="en-US" altLang="en-US" sz="1300" b="0" i="0" u="none" strike="noStrike" cap="none" normalizeH="0" baseline="0" dirty="0">
                 <a:ln>
                   <a:noFill/>
                 </a:ln>
@@ -6727,7 +6732,7 @@
               <a:buAutoNum type="arabicPeriod"/>
             </a:pPr>
             <a:r>
-              <a:rPr kumimoji="0" lang="en-US" altLang="en-US" sz="1200" b="1" i="0" u="none" strike="noStrike" cap="none" normalizeH="0" baseline="0" dirty="0">
+              <a:rPr kumimoji="0" lang="en-US" altLang="en-US" sz="1300" b="1" i="0" u="none" strike="noStrike" cap="none" normalizeH="0" baseline="0" dirty="0">
                 <a:ln>
                   <a:noFill/>
                 </a:ln>
@@ -6735,7 +6740,7 @@
               <a:t>casual</a:t>
             </a:r>
             <a:r>
-              <a:rPr kumimoji="0" lang="en-US" altLang="en-US" sz="1200" b="0" i="0" u="none" strike="noStrike" cap="none" normalizeH="0" baseline="0" dirty="0">
+              <a:rPr kumimoji="0" lang="en-US" altLang="en-US" sz="1300" b="0" i="0" u="none" strike="noStrike" cap="none" normalizeH="0" baseline="0" dirty="0">
                 <a:ln>
                   <a:noFill/>
                 </a:ln>
@@ -6759,7 +6764,7 @@
               <a:buAutoNum type="arabicPeriod"/>
             </a:pPr>
             <a:r>
-              <a:rPr kumimoji="0" lang="en-US" altLang="en-US" sz="1200" b="1" i="0" u="none" strike="noStrike" cap="none" normalizeH="0" baseline="0" dirty="0">
+              <a:rPr kumimoji="0" lang="en-US" altLang="en-US" sz="1300" b="1" i="0" u="none" strike="noStrike" cap="none" normalizeH="0" baseline="0" dirty="0">
                 <a:ln>
                   <a:noFill/>
                 </a:ln>
@@ -6767,7 +6772,7 @@
               <a:t>registered</a:t>
             </a:r>
             <a:r>
-              <a:rPr kumimoji="0" lang="en-US" altLang="en-US" sz="1200" b="0" i="0" u="none" strike="noStrike" cap="none" normalizeH="0" baseline="0" dirty="0">
+              <a:rPr kumimoji="0" lang="en-US" altLang="en-US" sz="1300" b="0" i="0" u="none" strike="noStrike" cap="none" normalizeH="0" baseline="0" dirty="0">
                 <a:ln>
                   <a:noFill/>
                 </a:ln>
@@ -6791,7 +6796,7 @@
               <a:buAutoNum type="arabicPeriod"/>
             </a:pPr>
             <a:r>
-              <a:rPr kumimoji="0" lang="en-US" altLang="en-US" sz="1200" b="1" i="0" u="none" strike="noStrike" cap="none" normalizeH="0" baseline="0" dirty="0" err="1">
+              <a:rPr kumimoji="0" lang="en-US" altLang="en-US" sz="1300" b="1" i="0" u="none" strike="noStrike" cap="none" normalizeH="0" baseline="0" dirty="0" err="1">
                 <a:ln>
                   <a:noFill/>
                 </a:ln>
@@ -6799,7 +6804,7 @@
               <a:t>cnt</a:t>
             </a:r>
             <a:r>
-              <a:rPr kumimoji="0" lang="en-US" altLang="en-US" sz="1200" b="0" i="0" u="none" strike="noStrike" cap="none" normalizeH="0" baseline="0" dirty="0">
+              <a:rPr kumimoji="0" lang="en-US" altLang="en-US" sz="1300" b="0" i="0" u="none" strike="noStrike" cap="none" normalizeH="0" baseline="0" dirty="0">
                 <a:ln>
                   <a:noFill/>
                 </a:ln>
@@ -7437,13 +7442,13 @@
               </a:ext>
             </a:extLst>
           </a:blip>
-          <a:srcRect t="6986" r="6435" b="3045"/>
+          <a:srcRect t="9120" r="8191" b="4456"/>
           <a:stretch/>
         </p:blipFill>
         <p:spPr>
           <a:xfrm>
-            <a:off x="2163513" y="230642"/>
-            <a:ext cx="7864974" cy="4859006"/>
+            <a:off x="1953247" y="172961"/>
+            <a:ext cx="8285505" cy="5011150"/>
           </a:xfrm>
           <a:prstGeom prst="rect">
             <a:avLst/>
@@ -8077,13 +8082,13 @@
               </a:ext>
             </a:extLst>
           </a:blip>
-          <a:srcRect l="18238" t="9641" r="126" b="653"/>
+          <a:srcRect l="18238" t="11834" r="339" b="4092"/>
           <a:stretch/>
         </p:blipFill>
         <p:spPr>
           <a:xfrm>
-            <a:off x="3080552" y="210807"/>
-            <a:ext cx="6818050" cy="4813731"/>
+            <a:off x="3080552" y="328474"/>
+            <a:ext cx="6800295" cy="4511537"/>
           </a:xfrm>
           <a:prstGeom prst="rect">
             <a:avLst/>
@@ -8104,7 +8109,7 @@
         </p:nvSpPr>
         <p:spPr>
           <a:xfrm>
-            <a:off x="6791417" y="736847"/>
+            <a:off x="6837426" y="739807"/>
             <a:ext cx="298599" cy="3346881"/>
           </a:xfrm>
           <a:prstGeom prst="rect">
@@ -9133,7 +9138,7 @@
             <p:ph idx="1"/>
           </p:nvPr>
         </p:nvPicPr>
-        <p:blipFill>
+        <p:blipFill rotWithShape="1">
           <a:blip r:embed="rId3">
             <a:extLst>
               <a:ext uri="{28A0092B-C50C-407E-A947-70E740481C1C}">
@@ -9141,14 +9146,13 @@
               </a:ext>
             </a:extLst>
           </a:blip>
-          <a:stretch>
-            <a:fillRect/>
-          </a:stretch>
+          <a:srcRect t="3761" b="2442"/>
+          <a:stretch/>
         </p:blipFill>
         <p:spPr>
           <a:xfrm>
-            <a:off x="2687366" y="249637"/>
-            <a:ext cx="7613630" cy="4894477"/>
+            <a:off x="2033182" y="190122"/>
+            <a:ext cx="8125636" cy="4899526"/>
           </a:xfrm>
         </p:spPr>
       </p:pic>
@@ -10133,7 +10137,7 @@
         </p:nvSpPr>
         <p:spPr/>
         <p:txBody>
-          <a:bodyPr/>
+          <a:bodyPr anchor="t"/>
           <a:lstStyle/>
           <a:p>
             <a:r>

--- a/Regression Analysis - Bike Sharing/Regression Modelling.pptx
+++ b/Regression Analysis - Bike Sharing/Regression Modelling.pptx
@@ -8533,7 +8533,7 @@
 </file>
 
 <file path=ppt/slides/slide6.xml><?xml version="1.0" encoding="utf-8"?>
-<p:sld xmlns:a="http://schemas.openxmlformats.org/drawingml/2006/main" xmlns:r="http://schemas.openxmlformats.org/officeDocument/2006/relationships" xmlns:p="http://schemas.openxmlformats.org/presentationml/2006/main">
+<p:sld xmlns:a="http://schemas.openxmlformats.org/drawingml/2006/main" xmlns:r="http://schemas.openxmlformats.org/officeDocument/2006/relationships" xmlns:p="http://schemas.openxmlformats.org/presentationml/2006/main" show="0">
   <p:cSld>
     <p:bg>
       <p:bgPr>

--- a/Regression Analysis - Bike Sharing/Regression Modelling.pptx
+++ b/Regression Analysis - Bike Sharing/Regression Modelling.pptx
@@ -4424,9 +4424,15 @@
   <p:cSld>
     <p:bg>
       <p:bgPr>
-        <a:solidFill>
-          <a:schemeClr val="bg1"/>
-        </a:solidFill>
+        <a:blipFill dpi="0" rotWithShape="1">
+          <a:blip r:embed="rId2">
+            <a:lum/>
+          </a:blip>
+          <a:srcRect/>
+          <a:stretch>
+            <a:fillRect b="-16000"/>
+          </a:stretch>
+        </a:blipFill>
         <a:effectLst/>
       </p:bgPr>
     </p:bg>
@@ -4520,35 +4526,6 @@
           </a:p>
         </p:txBody>
       </p:sp>
-      <p:pic>
-        <p:nvPicPr>
-          <p:cNvPr id="16" name="Picture 3">
-            <a:extLst>
-              <a:ext uri="{FF2B5EF4-FFF2-40B4-BE49-F238E27FC236}">
-                <a16:creationId xmlns:a16="http://schemas.microsoft.com/office/drawing/2014/main" id="{E6141628-04B7-4D12-999F-F049AFC5ABB4}"/>
-              </a:ext>
-            </a:extLst>
-          </p:cNvPr>
-          <p:cNvPicPr>
-            <a:picLocks noChangeAspect="1"/>
-          </p:cNvPicPr>
-          <p:nvPr/>
-        </p:nvPicPr>
-        <p:blipFill rotWithShape="1">
-          <a:blip r:embed="rId2"/>
-          <a:srcRect t="17926" b="33287"/>
-          <a:stretch/>
-        </p:blipFill>
-        <p:spPr>
-          <a:xfrm>
-            <a:off x="-2" y="10"/>
-            <a:ext cx="12192002" cy="4461036"/>
-          </a:xfrm>
-          <a:prstGeom prst="rect">
-            <a:avLst/>
-          </a:prstGeom>
-        </p:spPr>
-      </p:pic>
       <p:sp>
         <p:nvSpPr>
           <p:cNvPr id="18" name="Rectangle 10">
@@ -5007,7 +4984,7 @@
           <a:p>
             <a:pPr algn="l"/>
             <a:r>
-              <a:rPr lang="pt-PT" sz="1200" dirty="0" err="1">
+              <a:rPr lang="pt-PT" dirty="0" err="1">
                 <a:solidFill>
                   <a:schemeClr val="bg1"/>
                 </a:solidFill>
@@ -5015,7 +4992,7 @@
               <a:t>Bike</a:t>
             </a:r>
             <a:r>
-              <a:rPr lang="pt-PT" sz="1200" dirty="0">
+              <a:rPr lang="pt-PT" dirty="0">
                 <a:solidFill>
                   <a:schemeClr val="bg1"/>
                 </a:solidFill>
@@ -5023,14 +5000,14 @@
               <a:t> </a:t>
             </a:r>
             <a:r>
-              <a:rPr lang="pt-PT" sz="1200" dirty="0" err="1">
+              <a:rPr lang="pt-PT" dirty="0" err="1">
                 <a:solidFill>
                   <a:schemeClr val="bg1"/>
                 </a:solidFill>
               </a:rPr>
               <a:t>Sharing</a:t>
             </a:r>
-            <a:endParaRPr lang="en-GB" sz="1200" dirty="0">
+            <a:endParaRPr lang="en-GB" dirty="0">
               <a:solidFill>
                 <a:schemeClr val="bg1"/>
               </a:solidFill>
@@ -5527,41 +5504,162 @@
           </a:bodyPr>
           <a:lstStyle/>
           <a:p>
-            <a:endParaRPr lang="pt-PT" sz="1800"/>
-          </a:p>
-          <a:p>
-            <a:r>
-              <a:rPr lang="pt-PT" sz="1800"/>
-              <a:t>Dataset about bike sharing in Washington D.C</a:t>
-            </a:r>
-          </a:p>
-          <a:p>
-            <a:endParaRPr lang="pt-PT" sz="1800"/>
-          </a:p>
-          <a:p>
-            <a:r>
-              <a:rPr lang="pt-PT" sz="1800"/>
-              <a:t>Contains an hourly bike count for each day between January 2011 and January 2012</a:t>
-            </a:r>
-          </a:p>
-          <a:p>
-            <a:endParaRPr lang="pt-PT" sz="1800"/>
-          </a:p>
-          <a:p>
-            <a:r>
-              <a:rPr lang="pt-PT" sz="1800"/>
-              <a:t>17.379 rows</a:t>
-            </a:r>
-          </a:p>
-          <a:p>
-            <a:endParaRPr lang="pt-PT" sz="1800"/>
-          </a:p>
-          <a:p>
-            <a:r>
-              <a:rPr lang="pt-PT" sz="1800"/>
-              <a:t>17 columns</a:t>
-            </a:r>
-            <a:endParaRPr lang="en-GB" sz="1800"/>
+            <a:endParaRPr lang="pt-PT" sz="1800" dirty="0"/>
+          </a:p>
+          <a:p>
+            <a:r>
+              <a:rPr lang="pt-PT" sz="1800" dirty="0" err="1"/>
+              <a:t>Dataset</a:t>
+            </a:r>
+            <a:r>
+              <a:rPr lang="pt-PT" sz="1800" dirty="0"/>
+              <a:t> </a:t>
+            </a:r>
+            <a:r>
+              <a:rPr lang="pt-PT" sz="1800" dirty="0" err="1"/>
+              <a:t>about</a:t>
+            </a:r>
+            <a:r>
+              <a:rPr lang="pt-PT" sz="1800" dirty="0"/>
+              <a:t> </a:t>
+            </a:r>
+            <a:r>
+              <a:rPr lang="pt-PT" sz="1800" dirty="0" err="1"/>
+              <a:t>bike</a:t>
+            </a:r>
+            <a:r>
+              <a:rPr lang="pt-PT" sz="1800" dirty="0"/>
+              <a:t> </a:t>
+            </a:r>
+            <a:r>
+              <a:rPr lang="pt-PT" sz="1800" dirty="0" err="1"/>
+              <a:t>sharing</a:t>
+            </a:r>
+            <a:r>
+              <a:rPr lang="pt-PT" sz="1800" dirty="0"/>
+              <a:t> in Washington D.C</a:t>
+            </a:r>
+          </a:p>
+          <a:p>
+            <a:endParaRPr lang="pt-PT" sz="1800" dirty="0"/>
+          </a:p>
+          <a:p>
+            <a:r>
+              <a:rPr lang="pt-PT" sz="1800" dirty="0" err="1"/>
+              <a:t>Contains</a:t>
+            </a:r>
+            <a:r>
+              <a:rPr lang="pt-PT" sz="1800" dirty="0"/>
+              <a:t> </a:t>
+            </a:r>
+            <a:r>
+              <a:rPr lang="pt-PT" sz="1800" dirty="0" err="1"/>
+              <a:t>an</a:t>
+            </a:r>
+            <a:r>
+              <a:rPr lang="pt-PT" sz="1800" dirty="0"/>
+              <a:t> </a:t>
+            </a:r>
+            <a:r>
+              <a:rPr lang="pt-PT" sz="1800" dirty="0" err="1"/>
+              <a:t>hourly</a:t>
+            </a:r>
+            <a:r>
+              <a:rPr lang="pt-PT" sz="1800" dirty="0"/>
+              <a:t> </a:t>
+            </a:r>
+            <a:r>
+              <a:rPr lang="pt-PT" sz="1800" dirty="0" err="1"/>
+              <a:t>bike</a:t>
+            </a:r>
+            <a:r>
+              <a:rPr lang="pt-PT" sz="1800" dirty="0"/>
+              <a:t> </a:t>
+            </a:r>
+            <a:r>
+              <a:rPr lang="pt-PT" sz="1800" dirty="0" err="1"/>
+              <a:t>count</a:t>
+            </a:r>
+            <a:r>
+              <a:rPr lang="pt-PT" sz="1800" dirty="0"/>
+              <a:t> for </a:t>
+            </a:r>
+            <a:r>
+              <a:rPr lang="pt-PT" sz="1800" dirty="0" err="1"/>
+              <a:t>each</a:t>
+            </a:r>
+            <a:r>
+              <a:rPr lang="pt-PT" sz="1800" dirty="0"/>
+              <a:t> </a:t>
+            </a:r>
+            <a:r>
+              <a:rPr lang="pt-PT" sz="1800" dirty="0" err="1"/>
+              <a:t>day</a:t>
+            </a:r>
+            <a:r>
+              <a:rPr lang="pt-PT" sz="1800" dirty="0"/>
+              <a:t> </a:t>
+            </a:r>
+            <a:r>
+              <a:rPr lang="pt-PT" sz="1800" dirty="0" err="1"/>
+              <a:t>between</a:t>
+            </a:r>
+            <a:r>
+              <a:rPr lang="pt-PT" sz="1800" dirty="0"/>
+              <a:t> </a:t>
+            </a:r>
+            <a:r>
+              <a:rPr lang="pt-PT" sz="1800" dirty="0" err="1"/>
+              <a:t>January</a:t>
+            </a:r>
+            <a:r>
+              <a:rPr lang="pt-PT" sz="1800" dirty="0"/>
+              <a:t> 2011 </a:t>
+            </a:r>
+            <a:r>
+              <a:rPr lang="pt-PT" sz="1800" dirty="0" err="1"/>
+              <a:t>and</a:t>
+            </a:r>
+            <a:r>
+              <a:rPr lang="pt-PT" sz="1800" dirty="0"/>
+              <a:t> </a:t>
+            </a:r>
+            <a:r>
+              <a:rPr lang="pt-PT" sz="1800" dirty="0" err="1"/>
+              <a:t>January</a:t>
+            </a:r>
+            <a:r>
+              <a:rPr lang="pt-PT" sz="1800" dirty="0"/>
+              <a:t> 2012</a:t>
+            </a:r>
+          </a:p>
+          <a:p>
+            <a:endParaRPr lang="pt-PT" sz="1800" dirty="0"/>
+          </a:p>
+          <a:p>
+            <a:r>
+              <a:rPr lang="pt-PT" sz="1800" dirty="0"/>
+              <a:t>17.379 </a:t>
+            </a:r>
+            <a:r>
+              <a:rPr lang="pt-PT" sz="1800" dirty="0" err="1"/>
+              <a:t>rows</a:t>
+            </a:r>
+            <a:endParaRPr lang="pt-PT" sz="1800" dirty="0"/>
+          </a:p>
+          <a:p>
+            <a:endParaRPr lang="pt-PT" sz="1800" dirty="0"/>
+          </a:p>
+          <a:p>
+            <a:r>
+              <a:rPr lang="pt-PT" sz="1800" dirty="0"/>
+              <a:t>17 </a:t>
+            </a:r>
+            <a:r>
+              <a:rPr lang="pt-PT" sz="1800" dirty="0" err="1"/>
+              <a:t>columns</a:t>
+            </a:r>
+            <a:endParaRPr lang="en-GB" sz="1800" dirty="0"/>
           </a:p>
         </p:txBody>
       </p:sp>
